--- a/slide/week2/20190316-Value function approximation-Kihwan Kim.pptx
+++ b/slide/week2/20190316-Value function approximation-Kihwan Kim.pptx
@@ -4,14 +4,18 @@
   <p:sldMasterIdLst>
     <p:sldMasterId id="2147483648" r:id="rId1"/>
   </p:sldMasterIdLst>
+  <p:notesMasterIdLst>
+    <p:notesMasterId r:id="rId10"/>
+  </p:notesMasterIdLst>
   <p:sldIdLst>
     <p:sldId id="256" r:id="rId2"/>
-    <p:sldId id="282" r:id="rId3"/>
-    <p:sldId id="281" r:id="rId4"/>
-    <p:sldId id="283" r:id="rId5"/>
-    <p:sldId id="285" r:id="rId6"/>
-    <p:sldId id="286" r:id="rId7"/>
-    <p:sldId id="287" r:id="rId8"/>
+    <p:sldId id="271" r:id="rId3"/>
+    <p:sldId id="282" r:id="rId4"/>
+    <p:sldId id="281" r:id="rId5"/>
+    <p:sldId id="283" r:id="rId6"/>
+    <p:sldId id="285" r:id="rId7"/>
+    <p:sldId id="286" r:id="rId8"/>
+    <p:sldId id="287" r:id="rId9"/>
   </p:sldIdLst>
   <p:sldSz cx="12192000" cy="6858000"/>
   <p:notesSz cx="6858000" cy="9144000"/>
@@ -118,6 +122,439 @@
 </p:presentation>
 </file>
 
+<file path=ppt/notesMasters/notesMaster1.xml><?xml version="1.0" encoding="utf-8"?>
+<p:notesMaster xmlns:a="http://schemas.openxmlformats.org/drawingml/2006/main" xmlns:r="http://schemas.openxmlformats.org/officeDocument/2006/relationships" xmlns:p="http://schemas.openxmlformats.org/presentationml/2006/main">
+  <p:cSld>
+    <p:bg>
+      <p:bgRef idx="1001">
+        <a:schemeClr val="bg1"/>
+      </p:bgRef>
+    </p:bg>
+    <p:spTree>
+      <p:nvGrpSpPr>
+        <p:cNvPr id="1" name=""/>
+        <p:cNvGrpSpPr/>
+        <p:nvPr/>
+      </p:nvGrpSpPr>
+      <p:grpSpPr>
+        <a:xfrm>
+          <a:off x="0" y="0"/>
+          <a:ext cx="0" cy="0"/>
+          <a:chOff x="0" y="0"/>
+          <a:chExt cx="0" cy="0"/>
+        </a:xfrm>
+      </p:grpSpPr>
+      <p:sp>
+        <p:nvSpPr>
+          <p:cNvPr id="2" name="머리글 개체 틀 1"/>
+          <p:cNvSpPr>
+            <a:spLocks noGrp="1"/>
+          </p:cNvSpPr>
+          <p:nvPr>
+            <p:ph type="hdr" sz="quarter"/>
+          </p:nvPr>
+        </p:nvSpPr>
+        <p:spPr>
+          <a:xfrm>
+            <a:off x="0" y="0"/>
+            <a:ext cx="2971800" cy="458788"/>
+          </a:xfrm>
+          <a:prstGeom prst="rect">
+            <a:avLst/>
+          </a:prstGeom>
+        </p:spPr>
+        <p:txBody>
+          <a:bodyPr vert="horz" lIns="91440" tIns="45720" rIns="91440" bIns="45720" rtlCol="0"/>
+          <a:lstStyle>
+            <a:lvl1pPr algn="l">
+              <a:defRPr sz="1200"/>
+            </a:lvl1pPr>
+          </a:lstStyle>
+          <a:p>
+            <a:endParaRPr lang="ko-KR" altLang="en-US"/>
+          </a:p>
+        </p:txBody>
+      </p:sp>
+      <p:sp>
+        <p:nvSpPr>
+          <p:cNvPr id="3" name="날짜 개체 틀 2"/>
+          <p:cNvSpPr>
+            <a:spLocks noGrp="1"/>
+          </p:cNvSpPr>
+          <p:nvPr>
+            <p:ph type="dt" idx="1"/>
+          </p:nvPr>
+        </p:nvSpPr>
+        <p:spPr>
+          <a:xfrm>
+            <a:off x="3884613" y="0"/>
+            <a:ext cx="2971800" cy="458788"/>
+          </a:xfrm>
+          <a:prstGeom prst="rect">
+            <a:avLst/>
+          </a:prstGeom>
+        </p:spPr>
+        <p:txBody>
+          <a:bodyPr vert="horz" lIns="91440" tIns="45720" rIns="91440" bIns="45720" rtlCol="0"/>
+          <a:lstStyle>
+            <a:lvl1pPr algn="r">
+              <a:defRPr sz="1200"/>
+            </a:lvl1pPr>
+          </a:lstStyle>
+          <a:p>
+            <a:fld id="{F87AEEA2-21CC-4EDE-B01D-D63E9013B631}" type="datetimeFigureOut">
+              <a:rPr lang="ko-KR" altLang="en-US" smtClean="0"/>
+              <a:t>2019-04-25</a:t>
+            </a:fld>
+            <a:endParaRPr lang="ko-KR" altLang="en-US"/>
+          </a:p>
+        </p:txBody>
+      </p:sp>
+      <p:sp>
+        <p:nvSpPr>
+          <p:cNvPr id="4" name="슬라이드 이미지 개체 틀 3"/>
+          <p:cNvSpPr>
+            <a:spLocks noGrp="1" noRot="1" noChangeAspect="1"/>
+          </p:cNvSpPr>
+          <p:nvPr>
+            <p:ph type="sldImg" idx="2"/>
+          </p:nvPr>
+        </p:nvSpPr>
+        <p:spPr>
+          <a:xfrm>
+            <a:off x="685800" y="1143000"/>
+            <a:ext cx="5486400" cy="3086100"/>
+          </a:xfrm>
+          <a:prstGeom prst="rect">
+            <a:avLst/>
+          </a:prstGeom>
+          <a:noFill/>
+          <a:ln w="12700">
+            <a:solidFill>
+              <a:prstClr val="black"/>
+            </a:solidFill>
+          </a:ln>
+        </p:spPr>
+        <p:txBody>
+          <a:bodyPr vert="horz" lIns="91440" tIns="45720" rIns="91440" bIns="45720" rtlCol="0" anchor="ctr"/>
+          <a:lstStyle/>
+          <a:p>
+            <a:endParaRPr lang="ko-KR" altLang="en-US"/>
+          </a:p>
+        </p:txBody>
+      </p:sp>
+      <p:sp>
+        <p:nvSpPr>
+          <p:cNvPr id="5" name="슬라이드 노트 개체 틀 4"/>
+          <p:cNvSpPr>
+            <a:spLocks noGrp="1"/>
+          </p:cNvSpPr>
+          <p:nvPr>
+            <p:ph type="body" sz="quarter" idx="3"/>
+          </p:nvPr>
+        </p:nvSpPr>
+        <p:spPr>
+          <a:xfrm>
+            <a:off x="685800" y="4400550"/>
+            <a:ext cx="5486400" cy="3600450"/>
+          </a:xfrm>
+          <a:prstGeom prst="rect">
+            <a:avLst/>
+          </a:prstGeom>
+        </p:spPr>
+        <p:txBody>
+          <a:bodyPr vert="horz" lIns="91440" tIns="45720" rIns="91440" bIns="45720" rtlCol="0"/>
+          <a:lstStyle/>
+          <a:p>
+            <a:pPr lvl="0"/>
+            <a:r>
+              <a:rPr lang="ko-KR" altLang="en-US"/>
+              <a:t>마스터 텍스트 스타일을 편집하려면 클릭</a:t>
+            </a:r>
+          </a:p>
+          <a:p>
+            <a:pPr lvl="1"/>
+            <a:r>
+              <a:rPr lang="ko-KR" altLang="en-US"/>
+              <a:t>두 번째 수준</a:t>
+            </a:r>
+          </a:p>
+          <a:p>
+            <a:pPr lvl="2"/>
+            <a:r>
+              <a:rPr lang="ko-KR" altLang="en-US"/>
+              <a:t>세 번째 수준</a:t>
+            </a:r>
+          </a:p>
+          <a:p>
+            <a:pPr lvl="3"/>
+            <a:r>
+              <a:rPr lang="ko-KR" altLang="en-US"/>
+              <a:t>네 번째 수준</a:t>
+            </a:r>
+          </a:p>
+          <a:p>
+            <a:pPr lvl="4"/>
+            <a:r>
+              <a:rPr lang="ko-KR" altLang="en-US"/>
+              <a:t>다섯 번째 수준</a:t>
+            </a:r>
+          </a:p>
+        </p:txBody>
+      </p:sp>
+      <p:sp>
+        <p:nvSpPr>
+          <p:cNvPr id="6" name="바닥글 개체 틀 5"/>
+          <p:cNvSpPr>
+            <a:spLocks noGrp="1"/>
+          </p:cNvSpPr>
+          <p:nvPr>
+            <p:ph type="ftr" sz="quarter" idx="4"/>
+          </p:nvPr>
+        </p:nvSpPr>
+        <p:spPr>
+          <a:xfrm>
+            <a:off x="0" y="8685213"/>
+            <a:ext cx="2971800" cy="458787"/>
+          </a:xfrm>
+          <a:prstGeom prst="rect">
+            <a:avLst/>
+          </a:prstGeom>
+        </p:spPr>
+        <p:txBody>
+          <a:bodyPr vert="horz" lIns="91440" tIns="45720" rIns="91440" bIns="45720" rtlCol="0" anchor="b"/>
+          <a:lstStyle>
+            <a:lvl1pPr algn="l">
+              <a:defRPr sz="1200"/>
+            </a:lvl1pPr>
+          </a:lstStyle>
+          <a:p>
+            <a:endParaRPr lang="ko-KR" altLang="en-US"/>
+          </a:p>
+        </p:txBody>
+      </p:sp>
+      <p:sp>
+        <p:nvSpPr>
+          <p:cNvPr id="7" name="슬라이드 번호 개체 틀 6"/>
+          <p:cNvSpPr>
+            <a:spLocks noGrp="1"/>
+          </p:cNvSpPr>
+          <p:nvPr>
+            <p:ph type="sldNum" sz="quarter" idx="5"/>
+          </p:nvPr>
+        </p:nvSpPr>
+        <p:spPr>
+          <a:xfrm>
+            <a:off x="3884613" y="8685213"/>
+            <a:ext cx="2971800" cy="458787"/>
+          </a:xfrm>
+          <a:prstGeom prst="rect">
+            <a:avLst/>
+          </a:prstGeom>
+        </p:spPr>
+        <p:txBody>
+          <a:bodyPr vert="horz" lIns="91440" tIns="45720" rIns="91440" bIns="45720" rtlCol="0" anchor="b"/>
+          <a:lstStyle>
+            <a:lvl1pPr algn="r">
+              <a:defRPr sz="1200"/>
+            </a:lvl1pPr>
+          </a:lstStyle>
+          <a:p>
+            <a:fld id="{5A1C8EF7-9342-4BF7-B343-4D098E8D938C}" type="slidenum">
+              <a:rPr lang="ko-KR" altLang="en-US" smtClean="0"/>
+              <a:t>‹#›</a:t>
+            </a:fld>
+            <a:endParaRPr lang="ko-KR" altLang="en-US"/>
+          </a:p>
+        </p:txBody>
+      </p:sp>
+    </p:spTree>
+    <p:extLst>
+      <p:ext uri="{BB962C8B-B14F-4D97-AF65-F5344CB8AC3E}">
+        <p14:creationId xmlns:p14="http://schemas.microsoft.com/office/powerpoint/2010/main" val="187201982"/>
+      </p:ext>
+    </p:extLst>
+  </p:cSld>
+  <p:clrMap bg1="lt1" tx1="dk1" bg2="lt2" tx2="dk2" accent1="accent1" accent2="accent2" accent3="accent3" accent4="accent4" accent5="accent5" accent6="accent6" hlink="hlink" folHlink="folHlink"/>
+  <p:notesStyle>
+    <a:lvl1pPr marL="0" algn="l" defTabSz="914400" rtl="0" eaLnBrk="1" latinLnBrk="1" hangingPunct="1">
+      <a:defRPr sz="1200" kern="1200">
+        <a:solidFill>
+          <a:schemeClr val="tx1"/>
+        </a:solidFill>
+        <a:latin typeface="+mn-lt"/>
+        <a:ea typeface="+mn-ea"/>
+        <a:cs typeface="+mn-cs"/>
+      </a:defRPr>
+    </a:lvl1pPr>
+    <a:lvl2pPr marL="457200" algn="l" defTabSz="914400" rtl="0" eaLnBrk="1" latinLnBrk="1" hangingPunct="1">
+      <a:defRPr sz="1200" kern="1200">
+        <a:solidFill>
+          <a:schemeClr val="tx1"/>
+        </a:solidFill>
+        <a:latin typeface="+mn-lt"/>
+        <a:ea typeface="+mn-ea"/>
+        <a:cs typeface="+mn-cs"/>
+      </a:defRPr>
+    </a:lvl2pPr>
+    <a:lvl3pPr marL="914400" algn="l" defTabSz="914400" rtl="0" eaLnBrk="1" latinLnBrk="1" hangingPunct="1">
+      <a:defRPr sz="1200" kern="1200">
+        <a:solidFill>
+          <a:schemeClr val="tx1"/>
+        </a:solidFill>
+        <a:latin typeface="+mn-lt"/>
+        <a:ea typeface="+mn-ea"/>
+        <a:cs typeface="+mn-cs"/>
+      </a:defRPr>
+    </a:lvl3pPr>
+    <a:lvl4pPr marL="1371600" algn="l" defTabSz="914400" rtl="0" eaLnBrk="1" latinLnBrk="1" hangingPunct="1">
+      <a:defRPr sz="1200" kern="1200">
+        <a:solidFill>
+          <a:schemeClr val="tx1"/>
+        </a:solidFill>
+        <a:latin typeface="+mn-lt"/>
+        <a:ea typeface="+mn-ea"/>
+        <a:cs typeface="+mn-cs"/>
+      </a:defRPr>
+    </a:lvl4pPr>
+    <a:lvl5pPr marL="1828800" algn="l" defTabSz="914400" rtl="0" eaLnBrk="1" latinLnBrk="1" hangingPunct="1">
+      <a:defRPr sz="1200" kern="1200">
+        <a:solidFill>
+          <a:schemeClr val="tx1"/>
+        </a:solidFill>
+        <a:latin typeface="+mn-lt"/>
+        <a:ea typeface="+mn-ea"/>
+        <a:cs typeface="+mn-cs"/>
+      </a:defRPr>
+    </a:lvl5pPr>
+    <a:lvl6pPr marL="2286000" algn="l" defTabSz="914400" rtl="0" eaLnBrk="1" latinLnBrk="1" hangingPunct="1">
+      <a:defRPr sz="1200" kern="1200">
+        <a:solidFill>
+          <a:schemeClr val="tx1"/>
+        </a:solidFill>
+        <a:latin typeface="+mn-lt"/>
+        <a:ea typeface="+mn-ea"/>
+        <a:cs typeface="+mn-cs"/>
+      </a:defRPr>
+    </a:lvl6pPr>
+    <a:lvl7pPr marL="2743200" algn="l" defTabSz="914400" rtl="0" eaLnBrk="1" latinLnBrk="1" hangingPunct="1">
+      <a:defRPr sz="1200" kern="1200">
+        <a:solidFill>
+          <a:schemeClr val="tx1"/>
+        </a:solidFill>
+        <a:latin typeface="+mn-lt"/>
+        <a:ea typeface="+mn-ea"/>
+        <a:cs typeface="+mn-cs"/>
+      </a:defRPr>
+    </a:lvl7pPr>
+    <a:lvl8pPr marL="3200400" algn="l" defTabSz="914400" rtl="0" eaLnBrk="1" latinLnBrk="1" hangingPunct="1">
+      <a:defRPr sz="1200" kern="1200">
+        <a:solidFill>
+          <a:schemeClr val="tx1"/>
+        </a:solidFill>
+        <a:latin typeface="+mn-lt"/>
+        <a:ea typeface="+mn-ea"/>
+        <a:cs typeface="+mn-cs"/>
+      </a:defRPr>
+    </a:lvl8pPr>
+    <a:lvl9pPr marL="3657600" algn="l" defTabSz="914400" rtl="0" eaLnBrk="1" latinLnBrk="1" hangingPunct="1">
+      <a:defRPr sz="1200" kern="1200">
+        <a:solidFill>
+          <a:schemeClr val="tx1"/>
+        </a:solidFill>
+        <a:latin typeface="+mn-lt"/>
+        <a:ea typeface="+mn-ea"/>
+        <a:cs typeface="+mn-cs"/>
+      </a:defRPr>
+    </a:lvl9pPr>
+  </p:notesStyle>
+</p:notesMaster>
+</file>
+
+<file path=ppt/notesSlides/notesSlide1.xml><?xml version="1.0" encoding="utf-8"?>
+<p:notes xmlns:a="http://schemas.openxmlformats.org/drawingml/2006/main" xmlns:r="http://schemas.openxmlformats.org/officeDocument/2006/relationships" xmlns:p="http://schemas.openxmlformats.org/presentationml/2006/main">
+  <p:cSld>
+    <p:spTree>
+      <p:nvGrpSpPr>
+        <p:cNvPr id="1" name=""/>
+        <p:cNvGrpSpPr/>
+        <p:nvPr/>
+      </p:nvGrpSpPr>
+      <p:grpSpPr>
+        <a:xfrm>
+          <a:off x="0" y="0"/>
+          <a:ext cx="0" cy="0"/>
+          <a:chOff x="0" y="0"/>
+          <a:chExt cx="0" cy="0"/>
+        </a:xfrm>
+      </p:grpSpPr>
+      <p:sp>
+        <p:nvSpPr>
+          <p:cNvPr id="2" name="슬라이드 이미지 개체 틀 1"/>
+          <p:cNvSpPr>
+            <a:spLocks noGrp="1" noRot="1" noChangeAspect="1"/>
+          </p:cNvSpPr>
+          <p:nvPr>
+            <p:ph type="sldImg"/>
+          </p:nvPr>
+        </p:nvSpPr>
+        <p:spPr/>
+      </p:sp>
+      <p:sp>
+        <p:nvSpPr>
+          <p:cNvPr id="3" name="슬라이드 노트 개체 틀 2"/>
+          <p:cNvSpPr>
+            <a:spLocks noGrp="1"/>
+          </p:cNvSpPr>
+          <p:nvPr>
+            <p:ph type="body" idx="1"/>
+          </p:nvPr>
+        </p:nvSpPr>
+        <p:spPr/>
+        <p:txBody>
+          <a:bodyPr/>
+          <a:lstStyle/>
+          <a:p>
+            <a:endParaRPr lang="ko-KR" altLang="en-US" dirty="0"/>
+          </a:p>
+        </p:txBody>
+      </p:sp>
+      <p:sp>
+        <p:nvSpPr>
+          <p:cNvPr id="4" name="슬라이드 번호 개체 틀 3"/>
+          <p:cNvSpPr>
+            <a:spLocks noGrp="1"/>
+          </p:cNvSpPr>
+          <p:nvPr>
+            <p:ph type="sldNum" sz="quarter" idx="5"/>
+          </p:nvPr>
+        </p:nvSpPr>
+        <p:spPr/>
+        <p:txBody>
+          <a:bodyPr/>
+          <a:lstStyle/>
+          <a:p>
+            <a:fld id="{84A32FC3-8378-44C8-B58C-F011ADC89098}" type="slidenum">
+              <a:rPr lang="ko-KR" altLang="en-US" smtClean="0"/>
+              <a:t>2</a:t>
+            </a:fld>
+            <a:endParaRPr lang="ko-KR" altLang="en-US"/>
+          </a:p>
+        </p:txBody>
+      </p:sp>
+    </p:spTree>
+    <p:extLst>
+      <p:ext uri="{BB962C8B-B14F-4D97-AF65-F5344CB8AC3E}">
+        <p14:creationId xmlns:p14="http://schemas.microsoft.com/office/powerpoint/2010/main" val="1890672003"/>
+      </p:ext>
+    </p:extLst>
+  </p:cSld>
+  <p:clrMapOvr>
+    <a:masterClrMapping/>
+  </p:clrMapOvr>
+</p:notes>
+</file>
+
 <file path=ppt/slideLayouts/slideLayout1.xml><?xml version="1.0" encoding="utf-8"?>
 <p:sldLayout xmlns:a="http://schemas.openxmlformats.org/drawingml/2006/main" xmlns:r="http://schemas.openxmlformats.org/officeDocument/2006/relationships" xmlns:p="http://schemas.openxmlformats.org/presentationml/2006/main" type="title" preserve="1">
   <p:cSld name="제목 슬라이드">
@@ -265,7 +702,7 @@
           <a:p>
             <a:fld id="{E184D451-57F6-4AFC-87BA-95E168DABD09}" type="datetimeFigureOut">
               <a:rPr lang="ko-KR" altLang="en-US" smtClean="0"/>
-              <a:t>2019-03-16</a:t>
+              <a:t>2019-04-25</a:t>
             </a:fld>
             <a:endParaRPr lang="ko-KR" altLang="en-US"/>
           </a:p>
@@ -463,7 +900,7 @@
           <a:p>
             <a:fld id="{E184D451-57F6-4AFC-87BA-95E168DABD09}" type="datetimeFigureOut">
               <a:rPr lang="ko-KR" altLang="en-US" smtClean="0"/>
-              <a:t>2019-03-16</a:t>
+              <a:t>2019-04-25</a:t>
             </a:fld>
             <a:endParaRPr lang="ko-KR" altLang="en-US"/>
           </a:p>
@@ -671,7 +1108,7 @@
           <a:p>
             <a:fld id="{E184D451-57F6-4AFC-87BA-95E168DABD09}" type="datetimeFigureOut">
               <a:rPr lang="ko-KR" altLang="en-US" smtClean="0"/>
-              <a:t>2019-03-16</a:t>
+              <a:t>2019-04-25</a:t>
             </a:fld>
             <a:endParaRPr lang="ko-KR" altLang="en-US"/>
           </a:p>
@@ -869,7 +1306,7 @@
           <a:p>
             <a:fld id="{E184D451-57F6-4AFC-87BA-95E168DABD09}" type="datetimeFigureOut">
               <a:rPr lang="ko-KR" altLang="en-US" smtClean="0"/>
-              <a:t>2019-03-16</a:t>
+              <a:t>2019-04-25</a:t>
             </a:fld>
             <a:endParaRPr lang="ko-KR" altLang="en-US"/>
           </a:p>
@@ -1144,7 +1581,7 @@
           <a:p>
             <a:fld id="{E184D451-57F6-4AFC-87BA-95E168DABD09}" type="datetimeFigureOut">
               <a:rPr lang="ko-KR" altLang="en-US" smtClean="0"/>
-              <a:t>2019-03-16</a:t>
+              <a:t>2019-04-25</a:t>
             </a:fld>
             <a:endParaRPr lang="ko-KR" altLang="en-US"/>
           </a:p>
@@ -1409,7 +1846,7 @@
           <a:p>
             <a:fld id="{E184D451-57F6-4AFC-87BA-95E168DABD09}" type="datetimeFigureOut">
               <a:rPr lang="ko-KR" altLang="en-US" smtClean="0"/>
-              <a:t>2019-03-16</a:t>
+              <a:t>2019-04-25</a:t>
             </a:fld>
             <a:endParaRPr lang="ko-KR" altLang="en-US"/>
           </a:p>
@@ -1821,7 +2258,7 @@
           <a:p>
             <a:fld id="{E184D451-57F6-4AFC-87BA-95E168DABD09}" type="datetimeFigureOut">
               <a:rPr lang="ko-KR" altLang="en-US" smtClean="0"/>
-              <a:t>2019-03-16</a:t>
+              <a:t>2019-04-25</a:t>
             </a:fld>
             <a:endParaRPr lang="ko-KR" altLang="en-US"/>
           </a:p>
@@ -1962,7 +2399,7 @@
           <a:p>
             <a:fld id="{E184D451-57F6-4AFC-87BA-95E168DABD09}" type="datetimeFigureOut">
               <a:rPr lang="ko-KR" altLang="en-US" smtClean="0"/>
-              <a:t>2019-03-16</a:t>
+              <a:t>2019-04-25</a:t>
             </a:fld>
             <a:endParaRPr lang="ko-KR" altLang="en-US"/>
           </a:p>
@@ -2075,7 +2512,7 @@
           <a:p>
             <a:fld id="{E184D451-57F6-4AFC-87BA-95E168DABD09}" type="datetimeFigureOut">
               <a:rPr lang="ko-KR" altLang="en-US" smtClean="0"/>
-              <a:t>2019-03-16</a:t>
+              <a:t>2019-04-25</a:t>
             </a:fld>
             <a:endParaRPr lang="ko-KR" altLang="en-US"/>
           </a:p>
@@ -2386,7 +2823,7 @@
           <a:p>
             <a:fld id="{E184D451-57F6-4AFC-87BA-95E168DABD09}" type="datetimeFigureOut">
               <a:rPr lang="ko-KR" altLang="en-US" smtClean="0"/>
-              <a:t>2019-03-16</a:t>
+              <a:t>2019-04-25</a:t>
             </a:fld>
             <a:endParaRPr lang="ko-KR" altLang="en-US"/>
           </a:p>
@@ -2674,7 +3111,7 @@
           <a:p>
             <a:fld id="{E184D451-57F6-4AFC-87BA-95E168DABD09}" type="datetimeFigureOut">
               <a:rPr lang="ko-KR" altLang="en-US" smtClean="0"/>
-              <a:t>2019-03-16</a:t>
+              <a:t>2019-04-25</a:t>
             </a:fld>
             <a:endParaRPr lang="ko-KR" altLang="en-US"/>
           </a:p>
@@ -2915,7 +3352,7 @@
           <a:p>
             <a:fld id="{E184D451-57F6-4AFC-87BA-95E168DABD09}" type="datetimeFigureOut">
               <a:rPr lang="ko-KR" altLang="en-US" smtClean="0"/>
-              <a:t>2019-03-16</a:t>
+              <a:t>2019-04-25</a:t>
             </a:fld>
             <a:endParaRPr lang="ko-KR" altLang="en-US"/>
           </a:p>
@@ -3688,6 +4125,372 @@
           <a:chExt cx="0" cy="0"/>
         </a:xfrm>
       </p:grpSpPr>
+      <p:pic>
+        <p:nvPicPr>
+          <p:cNvPr id="3" name="그림 2"/>
+          <p:cNvPicPr>
+            <a:picLocks noChangeAspect="1"/>
+          </p:cNvPicPr>
+          <p:nvPr/>
+        </p:nvPicPr>
+        <p:blipFill>
+          <a:blip r:embed="rId3">
+            <a:extLst>
+              <a:ext uri="{28A0092B-C50C-407E-A947-70E740481C1C}">
+                <a14:useLocalDpi xmlns:a14="http://schemas.microsoft.com/office/drawing/2010/main" val="0"/>
+              </a:ext>
+            </a:extLst>
+          </a:blip>
+          <a:stretch>
+            <a:fillRect/>
+          </a:stretch>
+        </p:blipFill>
+        <p:spPr>
+          <a:xfrm>
+            <a:off x="-27366" y="0"/>
+            <a:ext cx="12191207" cy="6857554"/>
+          </a:xfrm>
+          <a:prstGeom prst="rect">
+            <a:avLst/>
+          </a:prstGeom>
+        </p:spPr>
+      </p:pic>
+      <p:pic>
+        <p:nvPicPr>
+          <p:cNvPr id="6" name="그림 5"/>
+          <p:cNvPicPr>
+            <a:picLocks noChangeAspect="1"/>
+          </p:cNvPicPr>
+          <p:nvPr/>
+        </p:nvPicPr>
+        <p:blipFill>
+          <a:blip r:embed="rId4">
+            <a:extLst>
+              <a:ext uri="{28A0092B-C50C-407E-A947-70E740481C1C}">
+                <a14:useLocalDpi xmlns:a14="http://schemas.microsoft.com/office/drawing/2010/main" val="0"/>
+              </a:ext>
+            </a:extLst>
+          </a:blip>
+          <a:stretch>
+            <a:fillRect/>
+          </a:stretch>
+        </p:blipFill>
+        <p:spPr>
+          <a:xfrm>
+            <a:off x="486985" y="533400"/>
+            <a:ext cx="1066800" cy="1066800"/>
+          </a:xfrm>
+          <a:prstGeom prst="rect">
+            <a:avLst/>
+          </a:prstGeom>
+        </p:spPr>
+      </p:pic>
+      <p:sp>
+        <p:nvSpPr>
+          <p:cNvPr id="7" name="텍스트 상자 6"/>
+          <p:cNvSpPr txBox="1"/>
+          <p:nvPr/>
+        </p:nvSpPr>
+        <p:spPr>
+          <a:xfrm>
+            <a:off x="461748" y="2861413"/>
+            <a:ext cx="4340997" cy="446276"/>
+          </a:xfrm>
+          <a:prstGeom prst="rect">
+            <a:avLst/>
+          </a:prstGeom>
+          <a:noFill/>
+        </p:spPr>
+        <p:txBody>
+          <a:bodyPr wrap="none" rtlCol="0">
+            <a:spAutoFit/>
+          </a:bodyPr>
+          <a:lstStyle/>
+          <a:p>
+            <a:r>
+              <a:rPr kumimoji="1" lang="en-US" altLang="ko-KR" sz="2300" b="1" dirty="0">
+                <a:solidFill>
+                  <a:srgbClr val="002856"/>
+                </a:solidFill>
+                <a:latin typeface="나눔고딕" panose="020D0604000000000000" pitchFamily="50" charset="-127"/>
+                <a:ea typeface="나눔고딕" panose="020D0604000000000000" pitchFamily="50" charset="-127"/>
+                <a:cs typeface="Nanum Gothic Bold" charset="-127"/>
+              </a:rPr>
+              <a:t>Value Function Approximation</a:t>
+            </a:r>
+            <a:endParaRPr kumimoji="1" lang="ko-KR" altLang="en-US" sz="2300" b="1" dirty="0">
+              <a:solidFill>
+                <a:srgbClr val="002856"/>
+              </a:solidFill>
+              <a:latin typeface="나눔고딕" panose="020D0604000000000000" pitchFamily="50" charset="-127"/>
+              <a:ea typeface="나눔고딕" panose="020D0604000000000000" pitchFamily="50" charset="-127"/>
+              <a:cs typeface="Nanum Gothic Bold" charset="-127"/>
+            </a:endParaRPr>
+          </a:p>
+        </p:txBody>
+      </p:sp>
+      <p:sp>
+        <p:nvSpPr>
+          <p:cNvPr id="8" name="직사각형 7"/>
+          <p:cNvSpPr/>
+          <p:nvPr/>
+        </p:nvSpPr>
+        <p:spPr>
+          <a:xfrm flipV="1">
+            <a:off x="512548" y="3286957"/>
+            <a:ext cx="1284448" cy="29136"/>
+          </a:xfrm>
+          <a:prstGeom prst="rect">
+            <a:avLst/>
+          </a:prstGeom>
+          <a:solidFill>
+            <a:srgbClr val="43C0C2"/>
+          </a:solidFill>
+          <a:ln>
+            <a:noFill/>
+          </a:ln>
+        </p:spPr>
+        <p:style>
+          <a:lnRef idx="2">
+            <a:schemeClr val="accent1">
+              <a:shade val="50000"/>
+            </a:schemeClr>
+          </a:lnRef>
+          <a:fillRef idx="1">
+            <a:schemeClr val="accent1"/>
+          </a:fillRef>
+          <a:effectRef idx="0">
+            <a:schemeClr val="accent1"/>
+          </a:effectRef>
+          <a:fontRef idx="minor">
+            <a:schemeClr val="lt1"/>
+          </a:fontRef>
+        </p:style>
+        <p:txBody>
+          <a:bodyPr rtlCol="0" anchor="ctr"/>
+          <a:lstStyle/>
+          <a:p>
+            <a:pPr algn="ctr"/>
+            <a:endParaRPr kumimoji="1" lang="ko-KR" altLang="en-US" sz="900">
+              <a:solidFill>
+                <a:srgbClr val="002856"/>
+              </a:solidFill>
+            </a:endParaRPr>
+          </a:p>
+        </p:txBody>
+      </p:sp>
+      <p:sp>
+        <p:nvSpPr>
+          <p:cNvPr id="9" name="텍스트 상자 8"/>
+          <p:cNvSpPr txBox="1"/>
+          <p:nvPr/>
+        </p:nvSpPr>
+        <p:spPr>
+          <a:xfrm>
+            <a:off x="486969" y="3366893"/>
+            <a:ext cx="1624163" cy="323165"/>
+          </a:xfrm>
+          <a:prstGeom prst="rect">
+            <a:avLst/>
+          </a:prstGeom>
+          <a:noFill/>
+        </p:spPr>
+        <p:txBody>
+          <a:bodyPr wrap="none" rtlCol="0">
+            <a:spAutoFit/>
+          </a:bodyPr>
+          <a:lstStyle/>
+          <a:p>
+            <a:r>
+              <a:rPr kumimoji="1" lang="en-US" altLang="ko-KR" sz="1500" b="1" dirty="0">
+                <a:solidFill>
+                  <a:srgbClr val="43C0C2"/>
+                </a:solidFill>
+                <a:latin typeface="나눔고딕" panose="020D0604000000000000" pitchFamily="50" charset="-127"/>
+                <a:ea typeface="나눔고딕" panose="020D0604000000000000" pitchFamily="50" charset="-127"/>
+                <a:cs typeface="Nanum Gothic Bold" charset="-127"/>
+              </a:rPr>
+              <a:t>March 16, 2019</a:t>
+            </a:r>
+            <a:endParaRPr kumimoji="1" lang="ko-KR" altLang="en-US" sz="1500" b="1" dirty="0">
+              <a:solidFill>
+                <a:srgbClr val="43C0C2"/>
+              </a:solidFill>
+              <a:latin typeface="나눔고딕" panose="020D0604000000000000" pitchFamily="50" charset="-127"/>
+              <a:ea typeface="나눔고딕" panose="020D0604000000000000" pitchFamily="50" charset="-127"/>
+              <a:cs typeface="Nanum Gothic Bold" charset="-127"/>
+            </a:endParaRPr>
+          </a:p>
+        </p:txBody>
+      </p:sp>
+      <p:sp>
+        <p:nvSpPr>
+          <p:cNvPr id="11" name="텍스트 상자 10"/>
+          <p:cNvSpPr txBox="1"/>
+          <p:nvPr/>
+        </p:nvSpPr>
+        <p:spPr>
+          <a:xfrm>
+            <a:off x="440233" y="5617385"/>
+            <a:ext cx="1002967" cy="307777"/>
+          </a:xfrm>
+          <a:prstGeom prst="rect">
+            <a:avLst/>
+          </a:prstGeom>
+          <a:noFill/>
+        </p:spPr>
+        <p:txBody>
+          <a:bodyPr wrap="none" rtlCol="0">
+            <a:spAutoFit/>
+          </a:bodyPr>
+          <a:lstStyle/>
+          <a:p>
+            <a:r>
+              <a:rPr kumimoji="1" lang="en-US" altLang="ko-KR" sz="1400" b="1" dirty="0">
+                <a:solidFill>
+                  <a:srgbClr val="002856"/>
+                </a:solidFill>
+                <a:latin typeface="나눔고딕" panose="020D0604000000000000" pitchFamily="50" charset="-127"/>
+                <a:ea typeface="나눔고딕" panose="020D0604000000000000" pitchFamily="50" charset="-127"/>
+                <a:cs typeface="Nanum Gothic Bold" charset="-127"/>
+              </a:rPr>
+              <a:t>CONTACT</a:t>
+            </a:r>
+            <a:endParaRPr kumimoji="1" lang="ko-KR" altLang="en-US" sz="1150" b="1" dirty="0">
+              <a:solidFill>
+                <a:srgbClr val="002856"/>
+              </a:solidFill>
+              <a:latin typeface="나눔고딕" panose="020D0604000000000000" pitchFamily="50" charset="-127"/>
+              <a:ea typeface="나눔고딕" panose="020D0604000000000000" pitchFamily="50" charset="-127"/>
+              <a:cs typeface="Nanum Gothic Bold" charset="-127"/>
+            </a:endParaRPr>
+          </a:p>
+        </p:txBody>
+      </p:sp>
+      <p:sp>
+        <p:nvSpPr>
+          <p:cNvPr id="12" name="직사각형 11"/>
+          <p:cNvSpPr/>
+          <p:nvPr/>
+        </p:nvSpPr>
+        <p:spPr>
+          <a:xfrm flipV="1">
+            <a:off x="489511" y="5932335"/>
+            <a:ext cx="6662537" cy="22860"/>
+          </a:xfrm>
+          <a:prstGeom prst="rect">
+            <a:avLst/>
+          </a:prstGeom>
+          <a:solidFill>
+            <a:srgbClr val="002856"/>
+          </a:solidFill>
+          <a:ln>
+            <a:noFill/>
+          </a:ln>
+        </p:spPr>
+        <p:style>
+          <a:lnRef idx="2">
+            <a:schemeClr val="accent1">
+              <a:shade val="50000"/>
+            </a:schemeClr>
+          </a:lnRef>
+          <a:fillRef idx="1">
+            <a:schemeClr val="accent1"/>
+          </a:fillRef>
+          <a:effectRef idx="0">
+            <a:schemeClr val="accent1"/>
+          </a:effectRef>
+          <a:fontRef idx="minor">
+            <a:schemeClr val="lt1"/>
+          </a:fontRef>
+        </p:style>
+        <p:txBody>
+          <a:bodyPr rtlCol="0" anchor="ctr"/>
+          <a:lstStyle/>
+          <a:p>
+            <a:pPr algn="ctr"/>
+            <a:endParaRPr kumimoji="1" lang="ko-KR" altLang="en-US" sz="900">
+              <a:solidFill>
+                <a:srgbClr val="002856"/>
+              </a:solidFill>
+            </a:endParaRPr>
+          </a:p>
+        </p:txBody>
+      </p:sp>
+      <p:sp>
+        <p:nvSpPr>
+          <p:cNvPr id="14" name="텍스트 상자 10">
+            <a:extLst>
+              <a:ext uri="{FF2B5EF4-FFF2-40B4-BE49-F238E27FC236}">
+                <a16:creationId xmlns:a16="http://schemas.microsoft.com/office/drawing/2014/main" id="{7E47E7DC-23DD-4A0B-95A3-D669B345CDC7}"/>
+              </a:ext>
+            </a:extLst>
+          </p:cNvPr>
+          <p:cNvSpPr txBox="1"/>
+          <p:nvPr/>
+        </p:nvSpPr>
+        <p:spPr>
+          <a:xfrm>
+            <a:off x="461748" y="5975859"/>
+            <a:ext cx="1183337" cy="307777"/>
+          </a:xfrm>
+          <a:prstGeom prst="rect">
+            <a:avLst/>
+          </a:prstGeom>
+          <a:noFill/>
+        </p:spPr>
+        <p:txBody>
+          <a:bodyPr wrap="none" rtlCol="0">
+            <a:spAutoFit/>
+          </a:bodyPr>
+          <a:lstStyle/>
+          <a:p>
+            <a:r>
+              <a:rPr kumimoji="1" lang="en-US" altLang="ko-KR" sz="1400" b="1" dirty="0">
+                <a:latin typeface="나눔고딕" panose="020D0604000000000000" pitchFamily="50" charset="-127"/>
+                <a:ea typeface="나눔고딕" panose="020D0604000000000000" pitchFamily="50" charset="-127"/>
+                <a:cs typeface="Nanum Gothic Bold" charset="-127"/>
+              </a:rPr>
+              <a:t>Kihwan Kim</a:t>
+            </a:r>
+            <a:endParaRPr kumimoji="1" lang="ko-KR" altLang="en-US" sz="1150" b="1" dirty="0">
+              <a:latin typeface="나눔고딕" panose="020D0604000000000000" pitchFamily="50" charset="-127"/>
+              <a:ea typeface="나눔고딕" panose="020D0604000000000000" pitchFamily="50" charset="-127"/>
+              <a:cs typeface="Nanum Gothic Bold" charset="-127"/>
+            </a:endParaRPr>
+          </a:p>
+        </p:txBody>
+      </p:sp>
+    </p:spTree>
+    <p:extLst>
+      <p:ext uri="{BB962C8B-B14F-4D97-AF65-F5344CB8AC3E}">
+        <p14:creationId xmlns:p14="http://schemas.microsoft.com/office/powerpoint/2010/main" val="743032575"/>
+      </p:ext>
+    </p:extLst>
+  </p:cSld>
+  <p:clrMapOvr>
+    <a:masterClrMapping/>
+  </p:clrMapOvr>
+</p:sld>
+</file>
+
+<file path=ppt/slides/slide3.xml><?xml version="1.0" encoding="utf-8"?>
+<p:sld xmlns:a="http://schemas.openxmlformats.org/drawingml/2006/main" xmlns:r="http://schemas.openxmlformats.org/officeDocument/2006/relationships" xmlns:p="http://schemas.openxmlformats.org/presentationml/2006/main">
+  <p:cSld>
+    <p:spTree>
+      <p:nvGrpSpPr>
+        <p:cNvPr id="1" name=""/>
+        <p:cNvGrpSpPr/>
+        <p:nvPr/>
+      </p:nvGrpSpPr>
+      <p:grpSpPr>
+        <a:xfrm>
+          <a:off x="0" y="0"/>
+          <a:ext cx="0" cy="0"/>
+          <a:chOff x="0" y="0"/>
+          <a:chExt cx="0" cy="0"/>
+        </a:xfrm>
+      </p:grpSpPr>
       <p:sp>
         <p:nvSpPr>
           <p:cNvPr id="16" name="직사각형 15"/>
@@ -4232,7 +5035,7 @@
 </p:sld>
 </file>
 
-<file path=ppt/slides/slide3.xml><?xml version="1.0" encoding="utf-8"?>
+<file path=ppt/slides/slide4.xml><?xml version="1.0" encoding="utf-8"?>
 <p:sld xmlns:a="http://schemas.openxmlformats.org/drawingml/2006/main" xmlns:r="http://schemas.openxmlformats.org/officeDocument/2006/relationships" xmlns:p="http://schemas.openxmlformats.org/presentationml/2006/main">
   <p:cSld>
     <p:spTree>
@@ -5148,7 +5951,7 @@
 </p:sld>
 </file>
 
-<file path=ppt/slides/slide4.xml><?xml version="1.0" encoding="utf-8"?>
+<file path=ppt/slides/slide5.xml><?xml version="1.0" encoding="utf-8"?>
 <p:sld xmlns:a="http://schemas.openxmlformats.org/drawingml/2006/main" xmlns:r="http://schemas.openxmlformats.org/officeDocument/2006/relationships" xmlns:p="http://schemas.openxmlformats.org/presentationml/2006/main">
   <p:cSld>
     <p:spTree>
@@ -6177,7 +6980,7 @@
 </p:sld>
 </file>
 
-<file path=ppt/slides/slide5.xml><?xml version="1.0" encoding="utf-8"?>
+<file path=ppt/slides/slide6.xml><?xml version="1.0" encoding="utf-8"?>
 <p:sld xmlns:a="http://schemas.openxmlformats.org/drawingml/2006/main" xmlns:r="http://schemas.openxmlformats.org/officeDocument/2006/relationships" xmlns:p="http://schemas.openxmlformats.org/presentationml/2006/main">
   <p:cSld>
     <p:spTree>
@@ -6838,7 +7641,7 @@
 </p:sld>
 </file>
 
-<file path=ppt/slides/slide6.xml><?xml version="1.0" encoding="utf-8"?>
+<file path=ppt/slides/slide7.xml><?xml version="1.0" encoding="utf-8"?>
 <p:sld xmlns:a="http://schemas.openxmlformats.org/drawingml/2006/main" xmlns:r="http://schemas.openxmlformats.org/officeDocument/2006/relationships" xmlns:p="http://schemas.openxmlformats.org/presentationml/2006/main">
   <p:cSld>
     <p:spTree>
@@ -7529,7 +8332,7 @@
 </p:sld>
 </file>
 
-<file path=ppt/slides/slide7.xml><?xml version="1.0" encoding="utf-8"?>
+<file path=ppt/slides/slide8.xml><?xml version="1.0" encoding="utf-8"?>
 <p:sld xmlns:a="http://schemas.openxmlformats.org/drawingml/2006/main" xmlns:r="http://schemas.openxmlformats.org/officeDocument/2006/relationships" xmlns:p="http://schemas.openxmlformats.org/presentationml/2006/main">
   <p:cSld>
     <p:spTree>
@@ -8264,4 +9067,299 @@
     </a:ext>
   </a:extLst>
 </a:theme>
+</file>
+
+<file path=ppt/theme/theme2.xml><?xml version="1.0" encoding="utf-8"?>
+<a:theme xmlns:a="http://schemas.openxmlformats.org/drawingml/2006/main" name="Office 테마">
+  <a:themeElements>
+    <a:clrScheme name="Office">
+      <a:dk1>
+        <a:sysClr val="windowText" lastClr="000000"/>
+      </a:dk1>
+      <a:lt1>
+        <a:sysClr val="window" lastClr="FFFFFF"/>
+      </a:lt1>
+      <a:dk2>
+        <a:srgbClr val="44546A"/>
+      </a:dk2>
+      <a:lt2>
+        <a:srgbClr val="E7E6E6"/>
+      </a:lt2>
+      <a:accent1>
+        <a:srgbClr val="4472C4"/>
+      </a:accent1>
+      <a:accent2>
+        <a:srgbClr val="ED7D31"/>
+      </a:accent2>
+      <a:accent3>
+        <a:srgbClr val="A5A5A5"/>
+      </a:accent3>
+      <a:accent4>
+        <a:srgbClr val="FFC000"/>
+      </a:accent4>
+      <a:accent5>
+        <a:srgbClr val="5B9BD5"/>
+      </a:accent5>
+      <a:accent6>
+        <a:srgbClr val="70AD47"/>
+      </a:accent6>
+      <a:hlink>
+        <a:srgbClr val="0563C1"/>
+      </a:hlink>
+      <a:folHlink>
+        <a:srgbClr val="954F72"/>
+      </a:folHlink>
+    </a:clrScheme>
+    <a:fontScheme name="Office">
+      <a:majorFont>
+        <a:latin typeface="맑은 고딕" panose="020F0302020204030204"/>
+        <a:ea typeface=""/>
+        <a:cs typeface=""/>
+        <a:font script="Jpan" typeface="游ゴシック Light"/>
+        <a:font script="Hang" typeface="맑은 고딕"/>
+        <a:font script="Hans" typeface="等线 Light"/>
+        <a:font script="Hant" typeface="新細明體"/>
+        <a:font script="Arab" typeface="Times New Roman"/>
+        <a:font script="Hebr" typeface="Times New Roman"/>
+        <a:font script="Thai" typeface="Angsana New"/>
+        <a:font script="Ethi" typeface="Nyala"/>
+        <a:font script="Beng" typeface="Vrinda"/>
+        <a:font script="Gujr" typeface="Shruti"/>
+        <a:font script="Khmr" typeface="MoolBoran"/>
+        <a:font script="Knda" typeface="Tunga"/>
+        <a:font script="Guru" typeface="Raavi"/>
+        <a:font script="Cans" typeface="Euphemia"/>
+        <a:font script="Cher" typeface="Plantagenet Cherokee"/>
+        <a:font script="Yiii" typeface="Microsoft Yi Baiti"/>
+        <a:font script="Tibt" typeface="Microsoft Himalaya"/>
+        <a:font script="Thaa" typeface="MV Boli"/>
+        <a:font script="Deva" typeface="Mangal"/>
+        <a:font script="Telu" typeface="Gautami"/>
+        <a:font script="Taml" typeface="Latha"/>
+        <a:font script="Syrc" typeface="Estrangelo Edessa"/>
+        <a:font script="Orya" typeface="Kalinga"/>
+        <a:font script="Mlym" typeface="Kartika"/>
+        <a:font script="Laoo" typeface="DokChampa"/>
+        <a:font script="Sinh" typeface="Iskoola Pota"/>
+        <a:font script="Mong" typeface="Mongolian Baiti"/>
+        <a:font script="Viet" typeface="Times New Roman"/>
+        <a:font script="Uigh" typeface="Microsoft Uighur"/>
+        <a:font script="Geor" typeface="Sylfaen"/>
+        <a:font script="Armn" typeface="Arial"/>
+        <a:font script="Bugi" typeface="Leelawadee UI"/>
+        <a:font script="Bopo" typeface="Microsoft JhengHei"/>
+        <a:font script="Java" typeface="Javanese Text"/>
+        <a:font script="Lisu" typeface="Segoe UI"/>
+        <a:font script="Mymr" typeface="Myanmar Text"/>
+        <a:font script="Nkoo" typeface="Ebrima"/>
+        <a:font script="Olck" typeface="Nirmala UI"/>
+        <a:font script="Osma" typeface="Ebrima"/>
+        <a:font script="Phag" typeface="Phagspa"/>
+        <a:font script="Syrn" typeface="Estrangelo Edessa"/>
+        <a:font script="Syrj" typeface="Estrangelo Edessa"/>
+        <a:font script="Syre" typeface="Estrangelo Edessa"/>
+        <a:font script="Sora" typeface="Nirmala UI"/>
+        <a:font script="Tale" typeface="Microsoft Tai Le"/>
+        <a:font script="Talu" typeface="Microsoft New Tai Lue"/>
+        <a:font script="Tfng" typeface="Ebrima"/>
+      </a:majorFont>
+      <a:minorFont>
+        <a:latin typeface="맑은 고딕" panose="020F0502020204030204"/>
+        <a:ea typeface=""/>
+        <a:cs typeface=""/>
+        <a:font script="Jpan" typeface="游ゴシック"/>
+        <a:font script="Hang" typeface="맑은 고딕"/>
+        <a:font script="Hans" typeface="等线"/>
+        <a:font script="Hant" typeface="新細明體"/>
+        <a:font script="Arab" typeface="Arial"/>
+        <a:font script="Hebr" typeface="Arial"/>
+        <a:font script="Thai" typeface="Cordia New"/>
+        <a:font script="Ethi" typeface="Nyala"/>
+        <a:font script="Beng" typeface="Vrinda"/>
+        <a:font script="Gujr" typeface="Shruti"/>
+        <a:font script="Khmr" typeface="DaunPenh"/>
+        <a:font script="Knda" typeface="Tunga"/>
+        <a:font script="Guru" typeface="Raavi"/>
+        <a:font script="Cans" typeface="Euphemia"/>
+        <a:font script="Cher" typeface="Plantagenet Cherokee"/>
+        <a:font script="Yiii" typeface="Microsoft Yi Baiti"/>
+        <a:font script="Tibt" typeface="Microsoft Himalaya"/>
+        <a:font script="Thaa" typeface="MV Boli"/>
+        <a:font script="Deva" typeface="Mangal"/>
+        <a:font script="Telu" typeface="Gautami"/>
+        <a:font script="Taml" typeface="Latha"/>
+        <a:font script="Syrc" typeface="Estrangelo Edessa"/>
+        <a:font script="Orya" typeface="Kalinga"/>
+        <a:font script="Mlym" typeface="Kartika"/>
+        <a:font script="Laoo" typeface="DokChampa"/>
+        <a:font script="Sinh" typeface="Iskoola Pota"/>
+        <a:font script="Mong" typeface="Mongolian Baiti"/>
+        <a:font script="Viet" typeface="Arial"/>
+        <a:font script="Uigh" typeface="Microsoft Uighur"/>
+        <a:font script="Geor" typeface="Sylfaen"/>
+        <a:font script="Armn" typeface="Arial"/>
+        <a:font script="Bugi" typeface="Leelawadee UI"/>
+        <a:font script="Bopo" typeface="Microsoft JhengHei"/>
+        <a:font script="Java" typeface="Javanese Text"/>
+        <a:font script="Lisu" typeface="Segoe UI"/>
+        <a:font script="Mymr" typeface="Myanmar Text"/>
+        <a:font script="Nkoo" typeface="Ebrima"/>
+        <a:font script="Olck" typeface="Nirmala UI"/>
+        <a:font script="Osma" typeface="Ebrima"/>
+        <a:font script="Phag" typeface="Phagspa"/>
+        <a:font script="Syrn" typeface="Estrangelo Edessa"/>
+        <a:font script="Syrj" typeface="Estrangelo Edessa"/>
+        <a:font script="Syre" typeface="Estrangelo Edessa"/>
+        <a:font script="Sora" typeface="Nirmala UI"/>
+        <a:font script="Tale" typeface="Microsoft Tai Le"/>
+        <a:font script="Talu" typeface="Microsoft New Tai Lue"/>
+        <a:font script="Tfng" typeface="Ebrima"/>
+      </a:minorFont>
+    </a:fontScheme>
+    <a:fmtScheme name="Office">
+      <a:fillStyleLst>
+        <a:solidFill>
+          <a:schemeClr val="phClr"/>
+        </a:solidFill>
+        <a:gradFill rotWithShape="1">
+          <a:gsLst>
+            <a:gs pos="0">
+              <a:schemeClr val="phClr">
+                <a:lumMod val="110000"/>
+                <a:satMod val="105000"/>
+                <a:tint val="67000"/>
+              </a:schemeClr>
+            </a:gs>
+            <a:gs pos="50000">
+              <a:schemeClr val="phClr">
+                <a:lumMod val="105000"/>
+                <a:satMod val="103000"/>
+                <a:tint val="73000"/>
+              </a:schemeClr>
+            </a:gs>
+            <a:gs pos="100000">
+              <a:schemeClr val="phClr">
+                <a:lumMod val="105000"/>
+                <a:satMod val="109000"/>
+                <a:tint val="81000"/>
+              </a:schemeClr>
+            </a:gs>
+          </a:gsLst>
+          <a:lin ang="5400000" scaled="0"/>
+        </a:gradFill>
+        <a:gradFill rotWithShape="1">
+          <a:gsLst>
+            <a:gs pos="0">
+              <a:schemeClr val="phClr">
+                <a:satMod val="103000"/>
+                <a:lumMod val="102000"/>
+                <a:tint val="94000"/>
+              </a:schemeClr>
+            </a:gs>
+            <a:gs pos="50000">
+              <a:schemeClr val="phClr">
+                <a:satMod val="110000"/>
+                <a:lumMod val="100000"/>
+                <a:shade val="100000"/>
+              </a:schemeClr>
+            </a:gs>
+            <a:gs pos="100000">
+              <a:schemeClr val="phClr">
+                <a:lumMod val="99000"/>
+                <a:satMod val="120000"/>
+                <a:shade val="78000"/>
+              </a:schemeClr>
+            </a:gs>
+          </a:gsLst>
+          <a:lin ang="5400000" scaled="0"/>
+        </a:gradFill>
+      </a:fillStyleLst>
+      <a:lnStyleLst>
+        <a:ln w="6350" cap="flat" cmpd="sng" algn="ctr">
+          <a:solidFill>
+            <a:schemeClr val="phClr"/>
+          </a:solidFill>
+          <a:prstDash val="solid"/>
+          <a:miter lim="800000"/>
+        </a:ln>
+        <a:ln w="12700" cap="flat" cmpd="sng" algn="ctr">
+          <a:solidFill>
+            <a:schemeClr val="phClr"/>
+          </a:solidFill>
+          <a:prstDash val="solid"/>
+          <a:miter lim="800000"/>
+        </a:ln>
+        <a:ln w="19050" cap="flat" cmpd="sng" algn="ctr">
+          <a:solidFill>
+            <a:schemeClr val="phClr"/>
+          </a:solidFill>
+          <a:prstDash val="solid"/>
+          <a:miter lim="800000"/>
+        </a:ln>
+      </a:lnStyleLst>
+      <a:effectStyleLst>
+        <a:effectStyle>
+          <a:effectLst/>
+        </a:effectStyle>
+        <a:effectStyle>
+          <a:effectLst/>
+        </a:effectStyle>
+        <a:effectStyle>
+          <a:effectLst>
+            <a:outerShdw blurRad="57150" dist="19050" dir="5400000" algn="ctr" rotWithShape="0">
+              <a:srgbClr val="000000">
+                <a:alpha val="63000"/>
+              </a:srgbClr>
+            </a:outerShdw>
+          </a:effectLst>
+        </a:effectStyle>
+      </a:effectStyleLst>
+      <a:bgFillStyleLst>
+        <a:solidFill>
+          <a:schemeClr val="phClr"/>
+        </a:solidFill>
+        <a:solidFill>
+          <a:schemeClr val="phClr">
+            <a:tint val="95000"/>
+            <a:satMod val="170000"/>
+          </a:schemeClr>
+        </a:solidFill>
+        <a:gradFill rotWithShape="1">
+          <a:gsLst>
+            <a:gs pos="0">
+              <a:schemeClr val="phClr">
+                <a:tint val="93000"/>
+                <a:satMod val="150000"/>
+                <a:shade val="98000"/>
+                <a:lumMod val="102000"/>
+              </a:schemeClr>
+            </a:gs>
+            <a:gs pos="50000">
+              <a:schemeClr val="phClr">
+                <a:tint val="98000"/>
+                <a:satMod val="130000"/>
+                <a:shade val="90000"/>
+                <a:lumMod val="103000"/>
+              </a:schemeClr>
+            </a:gs>
+            <a:gs pos="100000">
+              <a:schemeClr val="phClr">
+                <a:shade val="63000"/>
+                <a:satMod val="120000"/>
+              </a:schemeClr>
+            </a:gs>
+          </a:gsLst>
+          <a:lin ang="5400000" scaled="0"/>
+        </a:gradFill>
+      </a:bgFillStyleLst>
+    </a:fmtScheme>
+  </a:themeElements>
+  <a:objectDefaults/>
+  <a:extraClrSchemeLst/>
+  <a:extLst>
+    <a:ext uri="{05A4C25C-085E-4340-85A3-A5531E510DB2}">
+      <thm15:themeFamily xmlns:thm15="http://schemas.microsoft.com/office/thememl/2012/main" name="Office Theme" id="{62F939B6-93AF-4DB8-9C6B-D6C7DFDC589F}" vid="{4A3C46E8-61CC-4603-A589-7422A47A8E4A}"/>
+    </a:ext>
+  </a:extLst>
+</a:theme>
 </file>
--- a/slide/week2/20190316-Value function approximation-Kihwan Kim.pptx
+++ b/slide/week2/20190316-Value function approximation-Kihwan Kim.pptx
@@ -5,17 +5,16 @@
     <p:sldMasterId id="2147483648" r:id="rId1"/>
   </p:sldMasterIdLst>
   <p:notesMasterIdLst>
-    <p:notesMasterId r:id="rId10"/>
+    <p:notesMasterId r:id="rId9"/>
   </p:notesMasterIdLst>
   <p:sldIdLst>
-    <p:sldId id="256" r:id="rId2"/>
-    <p:sldId id="271" r:id="rId3"/>
-    <p:sldId id="282" r:id="rId4"/>
-    <p:sldId id="281" r:id="rId5"/>
-    <p:sldId id="283" r:id="rId6"/>
-    <p:sldId id="285" r:id="rId7"/>
-    <p:sldId id="286" r:id="rId8"/>
-    <p:sldId id="287" r:id="rId9"/>
+    <p:sldId id="271" r:id="rId2"/>
+    <p:sldId id="282" r:id="rId3"/>
+    <p:sldId id="281" r:id="rId4"/>
+    <p:sldId id="283" r:id="rId5"/>
+    <p:sldId id="285" r:id="rId6"/>
+    <p:sldId id="286" r:id="rId7"/>
+    <p:sldId id="287" r:id="rId8"/>
   </p:sldIdLst>
   <p:sldSz cx="12192000" cy="6858000"/>
   <p:notesSz cx="6858000" cy="9144000"/>
@@ -536,7 +535,7 @@
           <a:p>
             <a:fld id="{84A32FC3-8378-44C8-B58C-F011ADC89098}" type="slidenum">
               <a:rPr lang="ko-KR" altLang="en-US" smtClean="0"/>
-              <a:t>2</a:t>
+              <a:t>1</a:t>
             </a:fld>
             <a:endParaRPr lang="ko-KR" altLang="en-US"/>
           </a:p>
@@ -3769,138 +3768,127 @@
           <a:chExt cx="0" cy="0"/>
         </a:xfrm>
       </p:grpSpPr>
-      <p:sp>
-        <p:nvSpPr>
-          <p:cNvPr id="2" name="제목 1">
-            <a:extLst>
-              <a:ext uri="{FF2B5EF4-FFF2-40B4-BE49-F238E27FC236}">
-                <a16:creationId xmlns:a16="http://schemas.microsoft.com/office/drawing/2014/main" id="{7B89E9B2-6899-4E2C-89F5-E11E805D4051}"/>
-              </a:ext>
-            </a:extLst>
-          </p:cNvPr>
-          <p:cNvSpPr>
-            <a:spLocks noGrp="1"/>
-          </p:cNvSpPr>
-          <p:nvPr>
-            <p:ph type="ctrTitle"/>
-          </p:nvPr>
-        </p:nvSpPr>
-        <p:spPr/>
-        <p:txBody>
-          <a:bodyPr>
-            <a:normAutofit/>
+      <p:pic>
+        <p:nvPicPr>
+          <p:cNvPr id="3" name="그림 2"/>
+          <p:cNvPicPr>
+            <a:picLocks noChangeAspect="1"/>
+          </p:cNvPicPr>
+          <p:nvPr/>
+        </p:nvPicPr>
+        <p:blipFill>
+          <a:blip r:embed="rId3">
+            <a:extLst>
+              <a:ext uri="{28A0092B-C50C-407E-A947-70E740481C1C}">
+                <a14:useLocalDpi xmlns:a14="http://schemas.microsoft.com/office/drawing/2010/main" val="0"/>
+              </a:ext>
+            </a:extLst>
+          </a:blip>
+          <a:stretch>
+            <a:fillRect/>
+          </a:stretch>
+        </p:blipFill>
+        <p:spPr>
+          <a:xfrm>
+            <a:off x="-27366" y="0"/>
+            <a:ext cx="12191207" cy="6857554"/>
+          </a:xfrm>
+          <a:prstGeom prst="rect">
+            <a:avLst/>
+          </a:prstGeom>
+        </p:spPr>
+      </p:pic>
+      <p:pic>
+        <p:nvPicPr>
+          <p:cNvPr id="6" name="그림 5"/>
+          <p:cNvPicPr>
+            <a:picLocks noChangeAspect="1"/>
+          </p:cNvPicPr>
+          <p:nvPr/>
+        </p:nvPicPr>
+        <p:blipFill>
+          <a:blip r:embed="rId4">
+            <a:extLst>
+              <a:ext uri="{28A0092B-C50C-407E-A947-70E740481C1C}">
+                <a14:useLocalDpi xmlns:a14="http://schemas.microsoft.com/office/drawing/2010/main" val="0"/>
+              </a:ext>
+            </a:extLst>
+          </a:blip>
+          <a:stretch>
+            <a:fillRect/>
+          </a:stretch>
+        </p:blipFill>
+        <p:spPr>
+          <a:xfrm>
+            <a:off x="486985" y="533400"/>
+            <a:ext cx="1066800" cy="1066800"/>
+          </a:xfrm>
+          <a:prstGeom prst="rect">
+            <a:avLst/>
+          </a:prstGeom>
+        </p:spPr>
+      </p:pic>
+      <p:sp>
+        <p:nvSpPr>
+          <p:cNvPr id="7" name="텍스트 상자 6"/>
+          <p:cNvSpPr txBox="1"/>
+          <p:nvPr/>
+        </p:nvSpPr>
+        <p:spPr>
+          <a:xfrm>
+            <a:off x="461748" y="2861413"/>
+            <a:ext cx="4340997" cy="446276"/>
+          </a:xfrm>
+          <a:prstGeom prst="rect">
+            <a:avLst/>
+          </a:prstGeom>
+          <a:noFill/>
+        </p:spPr>
+        <p:txBody>
+          <a:bodyPr wrap="none" rtlCol="0">
+            <a:spAutoFit/>
           </a:bodyPr>
           <a:lstStyle/>
           <a:p>
             <a:r>
-              <a:rPr lang="en-US" altLang="ko-KR" sz="8000" b="1" dirty="0">
+              <a:rPr kumimoji="1" lang="en-US" altLang="ko-KR" sz="2300" b="1" dirty="0">
                 <a:solidFill>
                   <a:srgbClr val="002856"/>
                 </a:solidFill>
                 <a:latin typeface="나눔고딕" panose="020D0604000000000000" pitchFamily="50" charset="-127"/>
                 <a:ea typeface="나눔고딕" panose="020D0604000000000000" pitchFamily="50" charset="-127"/>
-              </a:rPr>
-              <a:t>RL Seminar</a:t>
-            </a:r>
-            <a:endParaRPr lang="ko-KR" altLang="en-US" sz="8000" b="1" dirty="0">
+                <a:cs typeface="Nanum Gothic Bold" charset="-127"/>
+              </a:rPr>
+              <a:t>Value Function Approximation</a:t>
+            </a:r>
+            <a:endParaRPr kumimoji="1" lang="ko-KR" altLang="en-US" sz="2300" b="1" dirty="0">
               <a:solidFill>
                 <a:srgbClr val="002856"/>
               </a:solidFill>
               <a:latin typeface="나눔고딕" panose="020D0604000000000000" pitchFamily="50" charset="-127"/>
               <a:ea typeface="나눔고딕" panose="020D0604000000000000" pitchFamily="50" charset="-127"/>
+              <a:cs typeface="Nanum Gothic Bold" charset="-127"/>
             </a:endParaRPr>
           </a:p>
         </p:txBody>
       </p:sp>
       <p:sp>
         <p:nvSpPr>
-          <p:cNvPr id="3" name="부제목 2">
-            <a:extLst>
-              <a:ext uri="{FF2B5EF4-FFF2-40B4-BE49-F238E27FC236}">
-                <a16:creationId xmlns:a16="http://schemas.microsoft.com/office/drawing/2014/main" id="{F782F70C-9710-4F61-B9E7-9D9D88A702B6}"/>
-              </a:ext>
-            </a:extLst>
-          </p:cNvPr>
-          <p:cNvSpPr>
-            <a:spLocks noGrp="1"/>
-          </p:cNvSpPr>
-          <p:nvPr>
-            <p:ph type="subTitle" idx="1"/>
-          </p:nvPr>
-        </p:nvSpPr>
-        <p:spPr>
-          <a:xfrm>
-            <a:off x="1523999" y="3429000"/>
-            <a:ext cx="9144000" cy="1655762"/>
-          </a:xfrm>
-        </p:spPr>
-        <p:txBody>
-          <a:bodyPr/>
-          <a:lstStyle/>
-          <a:p>
-            <a:r>
-              <a:rPr lang="en-US" altLang="ko-KR" b="1" dirty="0">
-                <a:solidFill>
-                  <a:srgbClr val="A6A6A6"/>
-                </a:solidFill>
-                <a:latin typeface="나눔고딕" panose="020D0604000000000000" pitchFamily="50" charset="-127"/>
-                <a:ea typeface="나눔고딕" panose="020D0604000000000000" pitchFamily="50" charset="-127"/>
-              </a:rPr>
-              <a:t>2019-03-16</a:t>
-            </a:r>
-            <a:br>
-              <a:rPr lang="en-US" altLang="ko-KR" b="1" dirty="0">
-                <a:solidFill>
-                  <a:srgbClr val="A6A6A6"/>
-                </a:solidFill>
-                <a:latin typeface="나눔고딕" panose="020D0604000000000000" pitchFamily="50" charset="-127"/>
-                <a:ea typeface="나눔고딕" panose="020D0604000000000000" pitchFamily="50" charset="-127"/>
-              </a:rPr>
-            </a:br>
-            <a:r>
-              <a:rPr lang="ko-KR" altLang="en-US" b="1" dirty="0">
-                <a:solidFill>
-                  <a:srgbClr val="A6A6A6"/>
-                </a:solidFill>
-                <a:latin typeface="나눔고딕" panose="020D0604000000000000" pitchFamily="50" charset="-127"/>
-                <a:ea typeface="나눔고딕" panose="020D0604000000000000" pitchFamily="50" charset="-127"/>
-              </a:rPr>
-              <a:t>김기환</a:t>
-            </a:r>
-          </a:p>
-        </p:txBody>
-      </p:sp>
-      <p:sp>
-        <p:nvSpPr>
-          <p:cNvPr id="5" name="직사각형 4">
-            <a:extLst>
-              <a:ext uri="{FF2B5EF4-FFF2-40B4-BE49-F238E27FC236}">
-                <a16:creationId xmlns:a16="http://schemas.microsoft.com/office/drawing/2014/main" id="{6E7F225C-8DAF-4349-9214-AD7E5E57A207}"/>
-              </a:ext>
-            </a:extLst>
-          </p:cNvPr>
+          <p:cNvPr id="8" name="직사각형 7"/>
           <p:cNvSpPr/>
           <p:nvPr/>
         </p:nvSpPr>
         <p:spPr>
-          <a:xfrm>
-            <a:off x="398" y="0"/>
-            <a:ext cx="12191207" cy="224309"/>
+          <a:xfrm flipV="1">
+            <a:off x="512548" y="3286957"/>
+            <a:ext cx="1284448" cy="29136"/>
           </a:xfrm>
           <a:prstGeom prst="rect">
             <a:avLst/>
           </a:prstGeom>
-          <a:gradFill>
-            <a:gsLst>
-              <a:gs pos="49000">
-                <a:srgbClr val="002856"/>
-              </a:gs>
-              <a:gs pos="85000">
-                <a:srgbClr val="1CCFC9"/>
-              </a:gs>
-            </a:gsLst>
-            <a:lin ang="0" scaled="0"/>
-          </a:gradFill>
+          <a:solidFill>
+            <a:srgbClr val="43C0C2"/>
+          </a:solidFill>
           <a:ln>
             <a:noFill/>
           </a:ln>
@@ -3922,145 +3910,122 @@
           </a:fontRef>
         </p:style>
         <p:txBody>
-          <a:bodyPr anchor="ctr"/>
+          <a:bodyPr rtlCol="0" anchor="ctr"/>
           <a:lstStyle/>
           <a:p>
-            <a:pPr algn="ctr">
-              <a:defRPr/>
-            </a:pPr>
-            <a:endParaRPr lang="ko-KR" altLang="en-US" sz="900"/>
-          </a:p>
-        </p:txBody>
-      </p:sp>
-      <p:cxnSp>
-        <p:nvCxnSpPr>
-          <p:cNvPr id="8" name="직선 연결선[R] 10">
-            <a:extLst>
-              <a:ext uri="{FF2B5EF4-FFF2-40B4-BE49-F238E27FC236}">
-                <a16:creationId xmlns:a16="http://schemas.microsoft.com/office/drawing/2014/main" id="{4152F81C-8272-4385-AB43-60137EDA5BDA}"/>
-              </a:ext>
-            </a:extLst>
-          </p:cNvPr>
-          <p:cNvCxnSpPr/>
+            <a:pPr algn="ctr"/>
+            <a:endParaRPr kumimoji="1" lang="ko-KR" altLang="en-US" sz="900">
+              <a:solidFill>
+                <a:srgbClr val="002856"/>
+              </a:solidFill>
+            </a:endParaRPr>
+          </a:p>
+        </p:txBody>
+      </p:sp>
+      <p:sp>
+        <p:nvSpPr>
+          <p:cNvPr id="9" name="텍스트 상자 8"/>
+          <p:cNvSpPr txBox="1"/>
           <p:nvPr/>
-        </p:nvCxnSpPr>
-        <p:spPr>
-          <a:xfrm>
-            <a:off x="559993" y="6297931"/>
-            <a:ext cx="11195707" cy="0"/>
-          </a:xfrm>
-          <a:prstGeom prst="line">
-            <a:avLst/>
-          </a:prstGeom>
-          <a:ln>
-            <a:solidFill>
-              <a:srgbClr val="43C0C2"/>
-            </a:solidFill>
-          </a:ln>
-        </p:spPr>
-        <p:style>
-          <a:lnRef idx="1">
-            <a:schemeClr val="accent1"/>
-          </a:lnRef>
-          <a:fillRef idx="0">
-            <a:schemeClr val="accent1"/>
-          </a:fillRef>
-          <a:effectRef idx="0">
-            <a:schemeClr val="accent1"/>
-          </a:effectRef>
-          <a:fontRef idx="minor">
-            <a:schemeClr val="tx1"/>
-          </a:fontRef>
-        </p:style>
-      </p:cxnSp>
-      <p:pic>
-        <p:nvPicPr>
-          <p:cNvPr id="9" name="그림 8">
-            <a:extLst>
-              <a:ext uri="{FF2B5EF4-FFF2-40B4-BE49-F238E27FC236}">
-                <a16:creationId xmlns:a16="http://schemas.microsoft.com/office/drawing/2014/main" id="{7356B065-0528-40E1-8E80-69E34504F458}"/>
-              </a:ext>
-            </a:extLst>
-          </p:cNvPr>
-          <p:cNvPicPr>
-            <a:picLocks noChangeAspect="1"/>
-          </p:cNvPicPr>
-          <p:nvPr/>
-        </p:nvPicPr>
-        <p:blipFill>
-          <a:blip r:embed="rId2">
-            <a:extLst>
-              <a:ext uri="{28A0092B-C50C-407E-A947-70E740481C1C}">
-                <a14:useLocalDpi xmlns:a14="http://schemas.microsoft.com/office/drawing/2010/main" val="0"/>
-              </a:ext>
-            </a:extLst>
-          </a:blip>
-          <a:stretch>
-            <a:fillRect/>
-          </a:stretch>
-        </p:blipFill>
-        <p:spPr>
-          <a:xfrm>
-            <a:off x="719327" y="6422973"/>
-            <a:ext cx="820708" cy="141087"/>
+        </p:nvSpPr>
+        <p:spPr>
+          <a:xfrm>
+            <a:off x="486969" y="3366893"/>
+            <a:ext cx="1624163" cy="323165"/>
           </a:xfrm>
           <a:prstGeom prst="rect">
             <a:avLst/>
           </a:prstGeom>
-        </p:spPr>
-      </p:pic>
-      <p:pic>
-        <p:nvPicPr>
-          <p:cNvPr id="10" name="그림 9">
-            <a:extLst>
-              <a:ext uri="{FF2B5EF4-FFF2-40B4-BE49-F238E27FC236}">
-                <a16:creationId xmlns:a16="http://schemas.microsoft.com/office/drawing/2014/main" id="{389F30FA-96C2-4AF5-8D9E-C7FF89385654}"/>
-              </a:ext>
-            </a:extLst>
-          </p:cNvPr>
-          <p:cNvPicPr>
-            <a:picLocks noChangeAspect="1"/>
-          </p:cNvPicPr>
+          <a:noFill/>
+        </p:spPr>
+        <p:txBody>
+          <a:bodyPr wrap="none" rtlCol="0">
+            <a:spAutoFit/>
+          </a:bodyPr>
+          <a:lstStyle/>
+          <a:p>
+            <a:r>
+              <a:rPr kumimoji="1" lang="en-US" altLang="ko-KR" sz="1500" b="1" dirty="0">
+                <a:solidFill>
+                  <a:srgbClr val="43C0C2"/>
+                </a:solidFill>
+                <a:latin typeface="나눔고딕" panose="020D0604000000000000" pitchFamily="50" charset="-127"/>
+                <a:ea typeface="나눔고딕" panose="020D0604000000000000" pitchFamily="50" charset="-127"/>
+                <a:cs typeface="Nanum Gothic Bold" charset="-127"/>
+              </a:rPr>
+              <a:t>March 16, 2019</a:t>
+            </a:r>
+            <a:endParaRPr kumimoji="1" lang="ko-KR" altLang="en-US" sz="1500" b="1" dirty="0">
+              <a:solidFill>
+                <a:srgbClr val="43C0C2"/>
+              </a:solidFill>
+              <a:latin typeface="나눔고딕" panose="020D0604000000000000" pitchFamily="50" charset="-127"/>
+              <a:ea typeface="나눔고딕" panose="020D0604000000000000" pitchFamily="50" charset="-127"/>
+              <a:cs typeface="Nanum Gothic Bold" charset="-127"/>
+            </a:endParaRPr>
+          </a:p>
+        </p:txBody>
+      </p:sp>
+      <p:sp>
+        <p:nvSpPr>
+          <p:cNvPr id="11" name="텍스트 상자 10"/>
+          <p:cNvSpPr txBox="1"/>
           <p:nvPr/>
-        </p:nvPicPr>
-        <p:blipFill>
-          <a:blip r:embed="rId3"/>
-          <a:stretch>
-            <a:fillRect/>
-          </a:stretch>
-        </p:blipFill>
-        <p:spPr>
-          <a:xfrm>
-            <a:off x="10530243" y="6434786"/>
-            <a:ext cx="1111156" cy="117465"/>
+        </p:nvSpPr>
+        <p:spPr>
+          <a:xfrm>
+            <a:off x="440233" y="5617385"/>
+            <a:ext cx="1002967" cy="307777"/>
           </a:xfrm>
           <a:prstGeom prst="rect">
             <a:avLst/>
           </a:prstGeom>
-        </p:spPr>
-      </p:pic>
-      <p:sp>
-        <p:nvSpPr>
-          <p:cNvPr id="12" name="직사각형 11">
-            <a:extLst>
-              <a:ext uri="{FF2B5EF4-FFF2-40B4-BE49-F238E27FC236}">
-                <a16:creationId xmlns:a16="http://schemas.microsoft.com/office/drawing/2014/main" id="{36BB9816-527C-49C7-9348-3DF9E5747324}"/>
-              </a:ext>
-            </a:extLst>
-          </p:cNvPr>
+          <a:noFill/>
+        </p:spPr>
+        <p:txBody>
+          <a:bodyPr wrap="none" rtlCol="0">
+            <a:spAutoFit/>
+          </a:bodyPr>
+          <a:lstStyle/>
+          <a:p>
+            <a:r>
+              <a:rPr kumimoji="1" lang="en-US" altLang="ko-KR" sz="1400" b="1" dirty="0">
+                <a:solidFill>
+                  <a:srgbClr val="002856"/>
+                </a:solidFill>
+                <a:latin typeface="나눔고딕" panose="020D0604000000000000" pitchFamily="50" charset="-127"/>
+                <a:ea typeface="나눔고딕" panose="020D0604000000000000" pitchFamily="50" charset="-127"/>
+                <a:cs typeface="Nanum Gothic Bold" charset="-127"/>
+              </a:rPr>
+              <a:t>CONTACT</a:t>
+            </a:r>
+            <a:endParaRPr kumimoji="1" lang="ko-KR" altLang="en-US" sz="1150" b="1" dirty="0">
+              <a:solidFill>
+                <a:srgbClr val="002856"/>
+              </a:solidFill>
+              <a:latin typeface="나눔고딕" panose="020D0604000000000000" pitchFamily="50" charset="-127"/>
+              <a:ea typeface="나눔고딕" panose="020D0604000000000000" pitchFamily="50" charset="-127"/>
+              <a:cs typeface="Nanum Gothic Bold" charset="-127"/>
+            </a:endParaRPr>
+          </a:p>
+        </p:txBody>
+      </p:sp>
+      <p:sp>
+        <p:nvSpPr>
+          <p:cNvPr id="12" name="직사각형 11"/>
           <p:cNvSpPr/>
           <p:nvPr/>
         </p:nvSpPr>
         <p:spPr>
           <a:xfrm flipV="1">
-            <a:off x="3465615" y="3370728"/>
-            <a:ext cx="5260769" cy="58272"/>
+            <a:off x="489511" y="5932335"/>
+            <a:ext cx="6662537" cy="22860"/>
           </a:xfrm>
           <a:prstGeom prst="rect">
             <a:avLst/>
           </a:prstGeom>
           <a:solidFill>
-            <a:srgbClr val="43C0C2"/>
+            <a:srgbClr val="002856"/>
           </a:solidFill>
           <a:ln>
             <a:noFill/>
@@ -4087,328 +4052,6 @@
           <a:lstStyle/>
           <a:p>
             <a:pPr algn="ctr"/>
-            <a:endParaRPr kumimoji="1" lang="ko-KR" altLang="en-US">
-              <a:solidFill>
-                <a:srgbClr val="002856"/>
-              </a:solidFill>
-            </a:endParaRPr>
-          </a:p>
-        </p:txBody>
-      </p:sp>
-    </p:spTree>
-    <p:extLst>
-      <p:ext uri="{BB962C8B-B14F-4D97-AF65-F5344CB8AC3E}">
-        <p14:creationId xmlns:p14="http://schemas.microsoft.com/office/powerpoint/2010/main" val="3350117237"/>
-      </p:ext>
-    </p:extLst>
-  </p:cSld>
-  <p:clrMapOvr>
-    <a:masterClrMapping/>
-  </p:clrMapOvr>
-</p:sld>
-</file>
-
-<file path=ppt/slides/slide2.xml><?xml version="1.0" encoding="utf-8"?>
-<p:sld xmlns:a="http://schemas.openxmlformats.org/drawingml/2006/main" xmlns:r="http://schemas.openxmlformats.org/officeDocument/2006/relationships" xmlns:p="http://schemas.openxmlformats.org/presentationml/2006/main">
-  <p:cSld>
-    <p:spTree>
-      <p:nvGrpSpPr>
-        <p:cNvPr id="1" name=""/>
-        <p:cNvGrpSpPr/>
-        <p:nvPr/>
-      </p:nvGrpSpPr>
-      <p:grpSpPr>
-        <a:xfrm>
-          <a:off x="0" y="0"/>
-          <a:ext cx="0" cy="0"/>
-          <a:chOff x="0" y="0"/>
-          <a:chExt cx="0" cy="0"/>
-        </a:xfrm>
-      </p:grpSpPr>
-      <p:pic>
-        <p:nvPicPr>
-          <p:cNvPr id="3" name="그림 2"/>
-          <p:cNvPicPr>
-            <a:picLocks noChangeAspect="1"/>
-          </p:cNvPicPr>
-          <p:nvPr/>
-        </p:nvPicPr>
-        <p:blipFill>
-          <a:blip r:embed="rId3">
-            <a:extLst>
-              <a:ext uri="{28A0092B-C50C-407E-A947-70E740481C1C}">
-                <a14:useLocalDpi xmlns:a14="http://schemas.microsoft.com/office/drawing/2010/main" val="0"/>
-              </a:ext>
-            </a:extLst>
-          </a:blip>
-          <a:stretch>
-            <a:fillRect/>
-          </a:stretch>
-        </p:blipFill>
-        <p:spPr>
-          <a:xfrm>
-            <a:off x="-27366" y="0"/>
-            <a:ext cx="12191207" cy="6857554"/>
-          </a:xfrm>
-          <a:prstGeom prst="rect">
-            <a:avLst/>
-          </a:prstGeom>
-        </p:spPr>
-      </p:pic>
-      <p:pic>
-        <p:nvPicPr>
-          <p:cNvPr id="6" name="그림 5"/>
-          <p:cNvPicPr>
-            <a:picLocks noChangeAspect="1"/>
-          </p:cNvPicPr>
-          <p:nvPr/>
-        </p:nvPicPr>
-        <p:blipFill>
-          <a:blip r:embed="rId4">
-            <a:extLst>
-              <a:ext uri="{28A0092B-C50C-407E-A947-70E740481C1C}">
-                <a14:useLocalDpi xmlns:a14="http://schemas.microsoft.com/office/drawing/2010/main" val="0"/>
-              </a:ext>
-            </a:extLst>
-          </a:blip>
-          <a:stretch>
-            <a:fillRect/>
-          </a:stretch>
-        </p:blipFill>
-        <p:spPr>
-          <a:xfrm>
-            <a:off x="486985" y="533400"/>
-            <a:ext cx="1066800" cy="1066800"/>
-          </a:xfrm>
-          <a:prstGeom prst="rect">
-            <a:avLst/>
-          </a:prstGeom>
-        </p:spPr>
-      </p:pic>
-      <p:sp>
-        <p:nvSpPr>
-          <p:cNvPr id="7" name="텍스트 상자 6"/>
-          <p:cNvSpPr txBox="1"/>
-          <p:nvPr/>
-        </p:nvSpPr>
-        <p:spPr>
-          <a:xfrm>
-            <a:off x="461748" y="2861413"/>
-            <a:ext cx="4340997" cy="446276"/>
-          </a:xfrm>
-          <a:prstGeom prst="rect">
-            <a:avLst/>
-          </a:prstGeom>
-          <a:noFill/>
-        </p:spPr>
-        <p:txBody>
-          <a:bodyPr wrap="none" rtlCol="0">
-            <a:spAutoFit/>
-          </a:bodyPr>
-          <a:lstStyle/>
-          <a:p>
-            <a:r>
-              <a:rPr kumimoji="1" lang="en-US" altLang="ko-KR" sz="2300" b="1" dirty="0">
-                <a:solidFill>
-                  <a:srgbClr val="002856"/>
-                </a:solidFill>
-                <a:latin typeface="나눔고딕" panose="020D0604000000000000" pitchFamily="50" charset="-127"/>
-                <a:ea typeface="나눔고딕" panose="020D0604000000000000" pitchFamily="50" charset="-127"/>
-                <a:cs typeface="Nanum Gothic Bold" charset="-127"/>
-              </a:rPr>
-              <a:t>Value Function Approximation</a:t>
-            </a:r>
-            <a:endParaRPr kumimoji="1" lang="ko-KR" altLang="en-US" sz="2300" b="1" dirty="0">
-              <a:solidFill>
-                <a:srgbClr val="002856"/>
-              </a:solidFill>
-              <a:latin typeface="나눔고딕" panose="020D0604000000000000" pitchFamily="50" charset="-127"/>
-              <a:ea typeface="나눔고딕" panose="020D0604000000000000" pitchFamily="50" charset="-127"/>
-              <a:cs typeface="Nanum Gothic Bold" charset="-127"/>
-            </a:endParaRPr>
-          </a:p>
-        </p:txBody>
-      </p:sp>
-      <p:sp>
-        <p:nvSpPr>
-          <p:cNvPr id="8" name="직사각형 7"/>
-          <p:cNvSpPr/>
-          <p:nvPr/>
-        </p:nvSpPr>
-        <p:spPr>
-          <a:xfrm flipV="1">
-            <a:off x="512548" y="3286957"/>
-            <a:ext cx="1284448" cy="29136"/>
-          </a:xfrm>
-          <a:prstGeom prst="rect">
-            <a:avLst/>
-          </a:prstGeom>
-          <a:solidFill>
-            <a:srgbClr val="43C0C2"/>
-          </a:solidFill>
-          <a:ln>
-            <a:noFill/>
-          </a:ln>
-        </p:spPr>
-        <p:style>
-          <a:lnRef idx="2">
-            <a:schemeClr val="accent1">
-              <a:shade val="50000"/>
-            </a:schemeClr>
-          </a:lnRef>
-          <a:fillRef idx="1">
-            <a:schemeClr val="accent1"/>
-          </a:fillRef>
-          <a:effectRef idx="0">
-            <a:schemeClr val="accent1"/>
-          </a:effectRef>
-          <a:fontRef idx="minor">
-            <a:schemeClr val="lt1"/>
-          </a:fontRef>
-        </p:style>
-        <p:txBody>
-          <a:bodyPr rtlCol="0" anchor="ctr"/>
-          <a:lstStyle/>
-          <a:p>
-            <a:pPr algn="ctr"/>
-            <a:endParaRPr kumimoji="1" lang="ko-KR" altLang="en-US" sz="900">
-              <a:solidFill>
-                <a:srgbClr val="002856"/>
-              </a:solidFill>
-            </a:endParaRPr>
-          </a:p>
-        </p:txBody>
-      </p:sp>
-      <p:sp>
-        <p:nvSpPr>
-          <p:cNvPr id="9" name="텍스트 상자 8"/>
-          <p:cNvSpPr txBox="1"/>
-          <p:nvPr/>
-        </p:nvSpPr>
-        <p:spPr>
-          <a:xfrm>
-            <a:off x="486969" y="3366893"/>
-            <a:ext cx="1624163" cy="323165"/>
-          </a:xfrm>
-          <a:prstGeom prst="rect">
-            <a:avLst/>
-          </a:prstGeom>
-          <a:noFill/>
-        </p:spPr>
-        <p:txBody>
-          <a:bodyPr wrap="none" rtlCol="0">
-            <a:spAutoFit/>
-          </a:bodyPr>
-          <a:lstStyle/>
-          <a:p>
-            <a:r>
-              <a:rPr kumimoji="1" lang="en-US" altLang="ko-KR" sz="1500" b="1" dirty="0">
-                <a:solidFill>
-                  <a:srgbClr val="43C0C2"/>
-                </a:solidFill>
-                <a:latin typeface="나눔고딕" panose="020D0604000000000000" pitchFamily="50" charset="-127"/>
-                <a:ea typeface="나눔고딕" panose="020D0604000000000000" pitchFamily="50" charset="-127"/>
-                <a:cs typeface="Nanum Gothic Bold" charset="-127"/>
-              </a:rPr>
-              <a:t>March 16, 2019</a:t>
-            </a:r>
-            <a:endParaRPr kumimoji="1" lang="ko-KR" altLang="en-US" sz="1500" b="1" dirty="0">
-              <a:solidFill>
-                <a:srgbClr val="43C0C2"/>
-              </a:solidFill>
-              <a:latin typeface="나눔고딕" panose="020D0604000000000000" pitchFamily="50" charset="-127"/>
-              <a:ea typeface="나눔고딕" panose="020D0604000000000000" pitchFamily="50" charset="-127"/>
-              <a:cs typeface="Nanum Gothic Bold" charset="-127"/>
-            </a:endParaRPr>
-          </a:p>
-        </p:txBody>
-      </p:sp>
-      <p:sp>
-        <p:nvSpPr>
-          <p:cNvPr id="11" name="텍스트 상자 10"/>
-          <p:cNvSpPr txBox="1"/>
-          <p:nvPr/>
-        </p:nvSpPr>
-        <p:spPr>
-          <a:xfrm>
-            <a:off x="440233" y="5617385"/>
-            <a:ext cx="1002967" cy="307777"/>
-          </a:xfrm>
-          <a:prstGeom prst="rect">
-            <a:avLst/>
-          </a:prstGeom>
-          <a:noFill/>
-        </p:spPr>
-        <p:txBody>
-          <a:bodyPr wrap="none" rtlCol="0">
-            <a:spAutoFit/>
-          </a:bodyPr>
-          <a:lstStyle/>
-          <a:p>
-            <a:r>
-              <a:rPr kumimoji="1" lang="en-US" altLang="ko-KR" sz="1400" b="1" dirty="0">
-                <a:solidFill>
-                  <a:srgbClr val="002856"/>
-                </a:solidFill>
-                <a:latin typeface="나눔고딕" panose="020D0604000000000000" pitchFamily="50" charset="-127"/>
-                <a:ea typeface="나눔고딕" panose="020D0604000000000000" pitchFamily="50" charset="-127"/>
-                <a:cs typeface="Nanum Gothic Bold" charset="-127"/>
-              </a:rPr>
-              <a:t>CONTACT</a:t>
-            </a:r>
-            <a:endParaRPr kumimoji="1" lang="ko-KR" altLang="en-US" sz="1150" b="1" dirty="0">
-              <a:solidFill>
-                <a:srgbClr val="002856"/>
-              </a:solidFill>
-              <a:latin typeface="나눔고딕" panose="020D0604000000000000" pitchFamily="50" charset="-127"/>
-              <a:ea typeface="나눔고딕" panose="020D0604000000000000" pitchFamily="50" charset="-127"/>
-              <a:cs typeface="Nanum Gothic Bold" charset="-127"/>
-            </a:endParaRPr>
-          </a:p>
-        </p:txBody>
-      </p:sp>
-      <p:sp>
-        <p:nvSpPr>
-          <p:cNvPr id="12" name="직사각형 11"/>
-          <p:cNvSpPr/>
-          <p:nvPr/>
-        </p:nvSpPr>
-        <p:spPr>
-          <a:xfrm flipV="1">
-            <a:off x="489511" y="5932335"/>
-            <a:ext cx="6662537" cy="22860"/>
-          </a:xfrm>
-          <a:prstGeom prst="rect">
-            <a:avLst/>
-          </a:prstGeom>
-          <a:solidFill>
-            <a:srgbClr val="002856"/>
-          </a:solidFill>
-          <a:ln>
-            <a:noFill/>
-          </a:ln>
-        </p:spPr>
-        <p:style>
-          <a:lnRef idx="2">
-            <a:schemeClr val="accent1">
-              <a:shade val="50000"/>
-            </a:schemeClr>
-          </a:lnRef>
-          <a:fillRef idx="1">
-            <a:schemeClr val="accent1"/>
-          </a:fillRef>
-          <a:effectRef idx="0">
-            <a:schemeClr val="accent1"/>
-          </a:effectRef>
-          <a:fontRef idx="minor">
-            <a:schemeClr val="lt1"/>
-          </a:fontRef>
-        </p:style>
-        <p:txBody>
-          <a:bodyPr rtlCol="0" anchor="ctr"/>
-          <a:lstStyle/>
-          <a:p>
-            <a:pPr algn="ctr"/>
             <a:endParaRPr kumimoji="1" lang="ko-KR" altLang="en-US" sz="900">
               <a:solidFill>
                 <a:srgbClr val="002856"/>
@@ -4474,7 +4117,7 @@
 </p:sld>
 </file>
 
-<file path=ppt/slides/slide3.xml><?xml version="1.0" encoding="utf-8"?>
+<file path=ppt/slides/slide2.xml><?xml version="1.0" encoding="utf-8"?>
 <p:sld xmlns:a="http://schemas.openxmlformats.org/drawingml/2006/main" xmlns:r="http://schemas.openxmlformats.org/officeDocument/2006/relationships" xmlns:p="http://schemas.openxmlformats.org/presentationml/2006/main">
   <p:cSld>
     <p:spTree>
@@ -5035,7 +4678,7 @@
 </p:sld>
 </file>
 
-<file path=ppt/slides/slide4.xml><?xml version="1.0" encoding="utf-8"?>
+<file path=ppt/slides/slide3.xml><?xml version="1.0" encoding="utf-8"?>
 <p:sld xmlns:a="http://schemas.openxmlformats.org/drawingml/2006/main" xmlns:r="http://schemas.openxmlformats.org/officeDocument/2006/relationships" xmlns:p="http://schemas.openxmlformats.org/presentationml/2006/main">
   <p:cSld>
     <p:spTree>
@@ -5951,7 +5594,7 @@
 </p:sld>
 </file>
 
-<file path=ppt/slides/slide5.xml><?xml version="1.0" encoding="utf-8"?>
+<file path=ppt/slides/slide4.xml><?xml version="1.0" encoding="utf-8"?>
 <p:sld xmlns:a="http://schemas.openxmlformats.org/drawingml/2006/main" xmlns:r="http://schemas.openxmlformats.org/officeDocument/2006/relationships" xmlns:p="http://schemas.openxmlformats.org/presentationml/2006/main">
   <p:cSld>
     <p:spTree>
@@ -6980,7 +6623,7 @@
 </p:sld>
 </file>
 
-<file path=ppt/slides/slide6.xml><?xml version="1.0" encoding="utf-8"?>
+<file path=ppt/slides/slide5.xml><?xml version="1.0" encoding="utf-8"?>
 <p:sld xmlns:a="http://schemas.openxmlformats.org/drawingml/2006/main" xmlns:r="http://schemas.openxmlformats.org/officeDocument/2006/relationships" xmlns:p="http://schemas.openxmlformats.org/presentationml/2006/main">
   <p:cSld>
     <p:spTree>
@@ -7641,7 +7284,7 @@
 </p:sld>
 </file>
 
-<file path=ppt/slides/slide7.xml><?xml version="1.0" encoding="utf-8"?>
+<file path=ppt/slides/slide6.xml><?xml version="1.0" encoding="utf-8"?>
 <p:sld xmlns:a="http://schemas.openxmlformats.org/drawingml/2006/main" xmlns:r="http://schemas.openxmlformats.org/officeDocument/2006/relationships" xmlns:p="http://schemas.openxmlformats.org/presentationml/2006/main">
   <p:cSld>
     <p:spTree>
@@ -8332,7 +7975,7 @@
 </p:sld>
 </file>
 
-<file path=ppt/slides/slide8.xml><?xml version="1.0" encoding="utf-8"?>
+<file path=ppt/slides/slide7.xml><?xml version="1.0" encoding="utf-8"?>
 <p:sld xmlns:a="http://schemas.openxmlformats.org/drawingml/2006/main" xmlns:r="http://schemas.openxmlformats.org/officeDocument/2006/relationships" xmlns:p="http://schemas.openxmlformats.org/presentationml/2006/main">
   <p:cSld>
     <p:spTree>
